--- a/2021-11-09/js-4.1.pptx
+++ b/2021-11-09/js-4.1.pptx
@@ -125,40 +125,6 @@
     </a:lvl9pPr>
   </p:defaultTextStyle>
   <p:extLst>
-    <p:ext uri="{521415D9-36F7-43E2-AB2F-B90AF26B5E84}">
-      <p14:sectionLst xmlns:p14="http://schemas.microsoft.com/office/powerpoint/2010/main">
-        <p14:section name="Standardabschnitt" id="{717E7818-A8A7-4B89-A736-2DED9AFEF71F}">
-          <p14:sldIdLst>
-            <p14:sldId id="326"/>
-          </p14:sldIdLst>
-        </p14:section>
-        <p14:section name="Erfolgsmessung" id="{4E1918EA-EE84-499D-916B-88EED4A28768}">
-          <p14:sldIdLst>
-            <p14:sldId id="327"/>
-            <p14:sldId id="328"/>
-            <p14:sldId id="329"/>
-            <p14:sldId id="330"/>
-            <p14:sldId id="331"/>
-            <p14:sldId id="332"/>
-            <p14:sldId id="333"/>
-            <p14:sldId id="334"/>
-            <p14:sldId id="335"/>
-            <p14:sldId id="336"/>
-            <p14:sldId id="337"/>
-            <p14:sldId id="348"/>
-            <p14:sldId id="355"/>
-            <p14:sldId id="338"/>
-            <p14:sldId id="349"/>
-            <p14:sldId id="339"/>
-          </p14:sldIdLst>
-        </p14:section>
-        <p14:section name="Ende" id="{02AF34D8-F4D7-4376-8A64-789B77C2F39B}">
-          <p14:sldIdLst>
-            <p14:sldId id="304"/>
-          </p14:sldIdLst>
-        </p14:section>
-      </p14:sectionLst>
-    </p:ext>
     <p:ext uri="{EFAFB233-063F-42B5-8137-9DF3F51BA10A}">
       <p15:sldGuideLst xmlns:p15="http://schemas.microsoft.com/office/powerpoint/2012/main">
         <p15:guide id="1" orient="horz" pos="2160" userDrawn="1">
@@ -278,7 +244,7 @@
               <a:rPr lang="de-AT" smtClean="0">
                 <a:latin typeface="Arial" panose="020B0604020202020204" pitchFamily="34" charset="0"/>
               </a:rPr>
-              <a:t>08.11.2021</a:t>
+              <a:t>09.11.21</a:t>
             </a:fld>
             <a:endParaRPr lang="de-AT" dirty="0">
               <a:latin typeface="Arial" panose="020B0604020202020204" pitchFamily="34" charset="0"/>
@@ -12348,7 +12314,7 @@
                 <a:cs typeface="Calibri" panose="020F0502020204030204" pitchFamily="34" charset="0"/>
               </a:rPr>
             </a:br>
-            <a:r>
+            <a:br>
               <a:rPr kumimoji="0" lang="de-DE" altLang="de-DE" sz="1200" b="0" i="0" u="none" strike="noStrike" cap="none" normalizeH="0" baseline="0" dirty="0">
                 <a:ln>
                   <a:noFill/>
@@ -12360,9 +12326,8 @@
                 <a:latin typeface="Consolas" panose="020B0609020204030204" pitchFamily="49" charset="0"/>
                 <a:cs typeface="Calibri" panose="020F0502020204030204" pitchFamily="34" charset="0"/>
               </a:rPr>
-              <a:t>    /* Die Index-Nummer wird benötigt da jQuery ein Array zurückgibt */</a:t>
-            </a:r>
-            <a:br>
+            </a:br>
+            <a:r>
               <a:rPr kumimoji="0" lang="de-DE" altLang="de-DE" sz="1200" b="0" i="0" u="none" strike="noStrike" cap="none" normalizeH="0" baseline="0" dirty="0">
                 <a:ln>
                   <a:noFill/>
@@ -12374,37 +12339,38 @@
                 <a:latin typeface="Consolas" panose="020B0609020204030204" pitchFamily="49" charset="0"/>
                 <a:cs typeface="Calibri" panose="020F0502020204030204" pitchFamily="34" charset="0"/>
               </a:rPr>
-            </a:br>
-            <a:r>
-              <a:rPr kumimoji="0" lang="de-DE" altLang="de-DE" sz="1200" b="0" i="0" u="none" strike="noStrike" cap="none" normalizeH="0" baseline="0" dirty="0">
-                <a:ln>
-                  <a:noFill/>
-                </a:ln>
-                <a:solidFill>
-                  <a:srgbClr val="808080"/>
+              <a:t>    </a:t>
+            </a:r>
+            <a:r>
+              <a:rPr kumimoji="0" lang="de-DE" altLang="de-DE" sz="1200" b="0" i="0" u="none" strike="noStrike" cap="none" normalizeH="0" baseline="0" dirty="0">
+                <a:ln>
+                  <a:noFill/>
+                </a:ln>
+                <a:solidFill>
+                  <a:srgbClr val="A9B7C6"/>
                 </a:solidFill>
                 <a:effectLst/>
                 <a:latin typeface="Consolas" panose="020B0609020204030204" pitchFamily="49" charset="0"/>
                 <a:cs typeface="Calibri" panose="020F0502020204030204" pitchFamily="34" charset="0"/>
               </a:rPr>
-              <a:t>    </a:t>
-            </a:r>
-            <a:r>
-              <a:rPr kumimoji="0" lang="de-DE" altLang="de-DE" sz="1200" b="0" i="0" u="none" strike="noStrike" cap="none" normalizeH="0" baseline="0" dirty="0">
-                <a:ln>
-                  <a:noFill/>
-                </a:ln>
-                <a:solidFill>
-                  <a:srgbClr val="A9B7C6"/>
+              <a:t>$(</a:t>
+            </a:r>
+            <a:r>
+              <a:rPr kumimoji="0" lang="de-DE" altLang="de-DE" sz="1200" b="0" i="0" u="none" strike="noStrike" cap="none" normalizeH="0" baseline="0" dirty="0">
+                <a:ln>
+                  <a:noFill/>
+                </a:ln>
+                <a:solidFill>
+                  <a:srgbClr val="6A8759"/>
                 </a:solidFill>
                 <a:effectLst/>
                 <a:latin typeface="Consolas" panose="020B0609020204030204" pitchFamily="49" charset="0"/>
                 <a:cs typeface="Calibri" panose="020F0502020204030204" pitchFamily="34" charset="0"/>
               </a:rPr>
-              <a:t>$(</a:t>
-            </a:r>
-            <a:r>
-              <a:rPr kumimoji="0" lang="de-DE" altLang="de-DE" sz="1200" b="0" i="0" u="none" strike="noStrike" cap="none" normalizeH="0" baseline="0" dirty="0">
+              <a:t>'#</a:t>
+            </a:r>
+            <a:r>
+              <a:rPr kumimoji="0" lang="de-DE" altLang="de-DE" sz="1200" b="0" i="0" u="none" strike="noStrike" cap="none" normalizeH="0" baseline="0" dirty="0" err="1">
                 <a:ln>
                   <a:noFill/>
                 </a:ln>
@@ -12415,7 +12381,35 @@
                 <a:latin typeface="Consolas" panose="020B0609020204030204" pitchFamily="49" charset="0"/>
                 <a:cs typeface="Calibri" panose="020F0502020204030204" pitchFamily="34" charset="0"/>
               </a:rPr>
-              <a:t>'#</a:t>
+              <a:t>headlineElement</a:t>
+            </a:r>
+            <a:r>
+              <a:rPr kumimoji="0" lang="de-DE" altLang="de-DE" sz="1200" b="0" i="0" u="none" strike="noStrike" cap="none" normalizeH="0" baseline="0" dirty="0">
+                <a:ln>
+                  <a:noFill/>
+                </a:ln>
+                <a:solidFill>
+                  <a:srgbClr val="6A8759"/>
+                </a:solidFill>
+                <a:effectLst/>
+                <a:latin typeface="Consolas" panose="020B0609020204030204" pitchFamily="49" charset="0"/>
+                <a:cs typeface="Calibri" panose="020F0502020204030204" pitchFamily="34" charset="0"/>
+              </a:rPr>
+              <a:t>'</a:t>
+            </a:r>
+            <a:r>
+              <a:rPr kumimoji="0" lang="de-DE" altLang="de-DE" sz="1200" b="0" i="0" u="none" strike="noStrike" cap="none" normalizeH="0" baseline="0" dirty="0">
+                <a:ln>
+                  <a:noFill/>
+                </a:ln>
+                <a:solidFill>
+                  <a:srgbClr val="A9B7C6"/>
+                </a:solidFill>
+                <a:effectLst/>
+                <a:latin typeface="Consolas" panose="020B0609020204030204" pitchFamily="49" charset="0"/>
+                <a:cs typeface="Calibri" panose="020F0502020204030204" pitchFamily="34" charset="0"/>
+              </a:rPr>
+              <a:t>).</a:t>
             </a:r>
             <a:r>
               <a:rPr kumimoji="0" lang="de-DE" altLang="de-DE" sz="1200" b="0" i="0" u="none" strike="noStrike" cap="none" normalizeH="0" baseline="0" dirty="0" err="1">
@@ -12423,83 +12417,13 @@
                   <a:noFill/>
                 </a:ln>
                 <a:solidFill>
-                  <a:srgbClr val="6A8759"/>
+                  <a:srgbClr val="9876AA"/>
                 </a:solidFill>
                 <a:effectLst/>
                 <a:latin typeface="Consolas" panose="020B0609020204030204" pitchFamily="49" charset="0"/>
                 <a:cs typeface="Calibri" panose="020F0502020204030204" pitchFamily="34" charset="0"/>
               </a:rPr>
-              <a:t>headlineElement</a:t>
-            </a:r>
-            <a:r>
-              <a:rPr kumimoji="0" lang="de-DE" altLang="de-DE" sz="1200" b="0" i="0" u="none" strike="noStrike" cap="none" normalizeH="0" baseline="0" dirty="0">
-                <a:ln>
-                  <a:noFill/>
-                </a:ln>
-                <a:solidFill>
-                  <a:srgbClr val="6A8759"/>
-                </a:solidFill>
-                <a:effectLst/>
-                <a:latin typeface="Consolas" panose="020B0609020204030204" pitchFamily="49" charset="0"/>
-                <a:cs typeface="Calibri" panose="020F0502020204030204" pitchFamily="34" charset="0"/>
-              </a:rPr>
-              <a:t>'</a:t>
-            </a:r>
-            <a:r>
-              <a:rPr kumimoji="0" lang="de-DE" altLang="de-DE" sz="1200" b="0" i="0" u="none" strike="noStrike" cap="none" normalizeH="0" baseline="0" dirty="0">
-                <a:ln>
-                  <a:noFill/>
-                </a:ln>
-                <a:solidFill>
-                  <a:srgbClr val="A9B7C6"/>
-                </a:solidFill>
-                <a:effectLst/>
-                <a:latin typeface="Consolas" panose="020B0609020204030204" pitchFamily="49" charset="0"/>
-                <a:cs typeface="Calibri" panose="020F0502020204030204" pitchFamily="34" charset="0"/>
-              </a:rPr>
-              <a:t>)[</a:t>
-            </a:r>
-            <a:r>
-              <a:rPr kumimoji="0" lang="de-DE" altLang="de-DE" sz="1200" b="0" i="0" u="none" strike="noStrike" cap="none" normalizeH="0" baseline="0" dirty="0">
-                <a:ln>
-                  <a:noFill/>
-                </a:ln>
-                <a:solidFill>
-                  <a:srgbClr val="6897BB"/>
-                </a:solidFill>
-                <a:effectLst/>
-                <a:latin typeface="Consolas" panose="020B0609020204030204" pitchFamily="49" charset="0"/>
-                <a:cs typeface="Calibri" panose="020F0502020204030204" pitchFamily="34" charset="0"/>
-              </a:rPr>
-              <a:t>0</a:t>
-            </a:r>
-            <a:r>
-              <a:rPr kumimoji="0" lang="de-DE" altLang="de-DE" sz="1200" b="0" i="0" u="none" strike="noStrike" cap="none" normalizeH="0" baseline="0" dirty="0">
-                <a:ln>
-                  <a:noFill/>
-                </a:ln>
-                <a:solidFill>
-                  <a:srgbClr val="A9B7C6"/>
-                </a:solidFill>
-                <a:effectLst/>
-                <a:latin typeface="Consolas" panose="020B0609020204030204" pitchFamily="49" charset="0"/>
-                <a:cs typeface="Calibri" panose="020F0502020204030204" pitchFamily="34" charset="0"/>
-              </a:rPr>
-              <a:t>].</a:t>
-            </a:r>
-            <a:r>
-              <a:rPr kumimoji="0" lang="de-DE" altLang="de-DE" sz="1200" b="0" i="0" u="none" strike="noStrike" cap="none" normalizeH="0" baseline="0" dirty="0" err="1">
-                <a:ln>
-                  <a:noFill/>
-                </a:ln>
-                <a:solidFill>
-                  <a:srgbClr val="9876AA"/>
-                </a:solidFill>
-                <a:effectLst/>
-                <a:latin typeface="Consolas" panose="020B0609020204030204" pitchFamily="49" charset="0"/>
-                <a:cs typeface="Calibri" panose="020F0502020204030204" pitchFamily="34" charset="0"/>
-              </a:rPr>
-              <a:t>innerHTML</a:t>
+              <a:t>text</a:t>
             </a:r>
             <a:r>
               <a:rPr kumimoji="0" lang="de-DE" altLang="de-DE" sz="1200" b="0" i="0" u="none" strike="noStrike" cap="none" normalizeH="0" baseline="0" dirty="0">
@@ -13019,7 +12943,7 @@
         <p:spPr bwMode="auto">
           <a:xfrm>
             <a:off x="2945137" y="2367171"/>
-            <a:ext cx="6301725" cy="2123658"/>
+            <a:ext cx="5876930" cy="2123658"/>
           </a:xfrm>
           <a:prstGeom prst="rect">
             <a:avLst/>
@@ -13061,20 +12985,46 @@
               <a:tabLst/>
             </a:pPr>
             <a:r>
-              <a:rPr kumimoji="0" lang="de-DE" altLang="de-DE" sz="1200" b="0" i="0" u="none" strike="noStrike" cap="none" normalizeH="0" baseline="0">
-                <a:ln>
-                  <a:noFill/>
-                </a:ln>
-                <a:solidFill>
-                  <a:srgbClr val="E8BF6A"/>
-                </a:solidFill>
-                <a:effectLst/>
-                <a:latin typeface="Consolas" panose="020B0609020204030204" pitchFamily="49" charset="0"/>
-              </a:rPr>
-              <a:t>&lt;body&gt;</a:t>
+              <a:rPr kumimoji="0" lang="de-DE" altLang="de-DE" sz="1200" b="0" i="0" u="none" strike="noStrike" cap="none" normalizeH="0" baseline="0" dirty="0">
+                <a:ln>
+                  <a:noFill/>
+                </a:ln>
+                <a:solidFill>
+                  <a:srgbClr val="E8BF6A"/>
+                </a:solidFill>
+                <a:effectLst/>
+                <a:latin typeface="Consolas" panose="020B0609020204030204" pitchFamily="49" charset="0"/>
+              </a:rPr>
+              <a:t>&lt;</a:t>
+            </a:r>
+            <a:r>
+              <a:rPr kumimoji="0" lang="de-DE" altLang="de-DE" sz="1200" b="0" i="0" u="none" strike="noStrike" cap="none" normalizeH="0" baseline="0" dirty="0" err="1">
+                <a:ln>
+                  <a:noFill/>
+                </a:ln>
+                <a:solidFill>
+                  <a:srgbClr val="E8BF6A"/>
+                </a:solidFill>
+                <a:effectLst/>
+                <a:latin typeface="Consolas" panose="020B0609020204030204" pitchFamily="49" charset="0"/>
+              </a:rPr>
+              <a:t>body</a:t>
+            </a:r>
+            <a:r>
+              <a:rPr kumimoji="0" lang="de-DE" altLang="de-DE" sz="1200" b="0" i="0" u="none" strike="noStrike" cap="none" normalizeH="0" baseline="0" dirty="0">
+                <a:ln>
+                  <a:noFill/>
+                </a:ln>
+                <a:solidFill>
+                  <a:srgbClr val="E8BF6A"/>
+                </a:solidFill>
+                <a:effectLst/>
+                <a:latin typeface="Consolas" panose="020B0609020204030204" pitchFamily="49" charset="0"/>
+              </a:rPr>
+              <a:t>&gt;</a:t>
             </a:r>
             <a:br>
-              <a:rPr kumimoji="0" lang="de-DE" altLang="de-DE" sz="1200" b="0" i="0" u="none" strike="noStrike" cap="none" normalizeH="0" baseline="0">
+              <a:rPr kumimoji="0" lang="de-DE" altLang="de-DE" sz="1200" b="0" i="0" u="none" strike="noStrike" cap="none" normalizeH="0" baseline="0" dirty="0">
                 <a:ln>
                   <a:noFill/>
                 </a:ln>
@@ -13086,7 +13036,7 @@
               </a:rPr>
             </a:br>
             <a:r>
-              <a:rPr kumimoji="0" lang="de-DE" altLang="de-DE" sz="1200" b="0" i="0" u="none" strike="noStrike" cap="none" normalizeH="0" baseline="0">
+              <a:rPr kumimoji="0" lang="de-DE" altLang="de-DE" sz="1200" b="0" i="0" u="none" strike="noStrike" cap="none" normalizeH="0" baseline="0" dirty="0">
                 <a:ln>
                   <a:noFill/>
                 </a:ln>
@@ -13099,7 +13049,7 @@
               <a:t>&lt;p&gt;&lt;/p&gt;</a:t>
             </a:r>
             <a:br>
-              <a:rPr kumimoji="0" lang="de-DE" altLang="de-DE" sz="1200" b="0" i="0" u="none" strike="noStrike" cap="none" normalizeH="0" baseline="0">
+              <a:rPr kumimoji="0" lang="de-DE" altLang="de-DE" sz="1200" b="0" i="0" u="none" strike="noStrike" cap="none" normalizeH="0" baseline="0" dirty="0">
                 <a:ln>
                   <a:noFill/>
                 </a:ln>
@@ -13111,7 +13061,7 @@
               </a:rPr>
             </a:br>
             <a:r>
-              <a:rPr kumimoji="0" lang="de-DE" altLang="de-DE" sz="1200" b="0" i="0" u="none" strike="noStrike" cap="none" normalizeH="0" baseline="0">
+              <a:rPr kumimoji="0" lang="de-DE" altLang="de-DE" sz="1200" b="0" i="0" u="none" strike="noStrike" cap="none" normalizeH="0" baseline="0" dirty="0">
                 <a:ln>
                   <a:noFill/>
                 </a:ln>
@@ -13124,7 +13074,7 @@
               <a:t>&lt;p&gt;&lt;/p&gt;</a:t>
             </a:r>
             <a:br>
-              <a:rPr kumimoji="0" lang="de-DE" altLang="de-DE" sz="1200" b="0" i="0" u="none" strike="noStrike" cap="none" normalizeH="0" baseline="0">
+              <a:rPr kumimoji="0" lang="de-DE" altLang="de-DE" sz="1200" b="0" i="0" u="none" strike="noStrike" cap="none" normalizeH="0" baseline="0" dirty="0">
                 <a:ln>
                   <a:noFill/>
                 </a:ln>
@@ -13136,7 +13086,7 @@
               </a:rPr>
             </a:br>
             <a:r>
-              <a:rPr kumimoji="0" lang="de-DE" altLang="de-DE" sz="1200" b="0" i="0" u="none" strike="noStrike" cap="none" normalizeH="0" baseline="0">
+              <a:rPr kumimoji="0" lang="de-DE" altLang="de-DE" sz="1200" b="0" i="0" u="none" strike="noStrike" cap="none" normalizeH="0" baseline="0" dirty="0">
                 <a:ln>
                   <a:noFill/>
                 </a:ln>
@@ -13149,7 +13099,7 @@
               <a:t>&lt;p&gt;&lt;/p&gt;</a:t>
             </a:r>
             <a:br>
-              <a:rPr kumimoji="0" lang="de-DE" altLang="de-DE" sz="1200" b="0" i="0" u="none" strike="noStrike" cap="none" normalizeH="0" baseline="0">
+              <a:rPr kumimoji="0" lang="de-DE" altLang="de-DE" sz="1200" b="0" i="0" u="none" strike="noStrike" cap="none" normalizeH="0" baseline="0" dirty="0">
                 <a:ln>
                   <a:noFill/>
                 </a:ln>
@@ -13161,7 +13111,7 @@
               </a:rPr>
             </a:br>
             <a:r>
-              <a:rPr kumimoji="0" lang="de-DE" altLang="de-DE" sz="1200" b="0" i="0" u="none" strike="noStrike" cap="none" normalizeH="0" baseline="0">
+              <a:rPr kumimoji="0" lang="de-DE" altLang="de-DE" sz="1200" b="0" i="0" u="none" strike="noStrike" cap="none" normalizeH="0" baseline="0" dirty="0">
                 <a:ln>
                   <a:noFill/>
                 </a:ln>
@@ -13174,7 +13124,7 @@
               <a:t>&lt;p&gt;&lt;/p&gt;</a:t>
             </a:r>
             <a:br>
-              <a:rPr kumimoji="0" lang="de-DE" altLang="de-DE" sz="1200" b="0" i="0" u="none" strike="noStrike" cap="none" normalizeH="0" baseline="0">
+              <a:rPr kumimoji="0" lang="de-DE" altLang="de-DE" sz="1200" b="0" i="0" u="none" strike="noStrike" cap="none" normalizeH="0" baseline="0" dirty="0">
                 <a:ln>
                   <a:noFill/>
                 </a:ln>
@@ -13186,20 +13136,46 @@
               </a:rPr>
             </a:br>
             <a:r>
-              <a:rPr kumimoji="0" lang="de-DE" altLang="de-DE" sz="1200" b="0" i="0" u="none" strike="noStrike" cap="none" normalizeH="0" baseline="0">
-                <a:ln>
-                  <a:noFill/>
-                </a:ln>
-                <a:solidFill>
-                  <a:srgbClr val="E8BF6A"/>
-                </a:solidFill>
-                <a:effectLst/>
-                <a:latin typeface="Consolas" panose="020B0609020204030204" pitchFamily="49" charset="0"/>
-              </a:rPr>
-              <a:t>&lt;script </a:t>
-            </a:r>
-            <a:r>
-              <a:rPr kumimoji="0" lang="de-DE" altLang="de-DE" sz="1200" b="0" i="0" u="none" strike="noStrike" cap="none" normalizeH="0" baseline="0">
+              <a:rPr kumimoji="0" lang="de-DE" altLang="de-DE" sz="1200" b="0" i="0" u="none" strike="noStrike" cap="none" normalizeH="0" baseline="0" dirty="0">
+                <a:ln>
+                  <a:noFill/>
+                </a:ln>
+                <a:solidFill>
+                  <a:srgbClr val="E8BF6A"/>
+                </a:solidFill>
+                <a:effectLst/>
+                <a:latin typeface="Consolas" panose="020B0609020204030204" pitchFamily="49" charset="0"/>
+              </a:rPr>
+              <a:t>&lt;</a:t>
+            </a:r>
+            <a:r>
+              <a:rPr kumimoji="0" lang="de-DE" altLang="de-DE" sz="1200" b="0" i="0" u="none" strike="noStrike" cap="none" normalizeH="0" baseline="0" dirty="0" err="1">
+                <a:ln>
+                  <a:noFill/>
+                </a:ln>
+                <a:solidFill>
+                  <a:srgbClr val="E8BF6A"/>
+                </a:solidFill>
+                <a:effectLst/>
+                <a:latin typeface="Consolas" panose="020B0609020204030204" pitchFamily="49" charset="0"/>
+              </a:rPr>
+              <a:t>script</a:t>
+            </a:r>
+            <a:r>
+              <a:rPr kumimoji="0" lang="de-DE" altLang="de-DE" sz="1200" b="0" i="0" u="none" strike="noStrike" cap="none" normalizeH="0" baseline="0" dirty="0">
+                <a:ln>
+                  <a:noFill/>
+                </a:ln>
+                <a:solidFill>
+                  <a:srgbClr val="E8BF6A"/>
+                </a:solidFill>
+                <a:effectLst/>
+                <a:latin typeface="Consolas" panose="020B0609020204030204" pitchFamily="49" charset="0"/>
+              </a:rPr>
+              <a:t> </a:t>
+            </a:r>
+            <a:r>
+              <a:rPr kumimoji="0" lang="de-DE" altLang="de-DE" sz="1200" b="0" i="0" u="none" strike="noStrike" cap="none" normalizeH="0" baseline="0" dirty="0" err="1">
                 <a:ln>
                   <a:noFill/>
                 </a:ln>
@@ -13212,7 +13188,7 @@
               <a:t>src</a:t>
             </a:r>
             <a:r>
-              <a:rPr kumimoji="0" lang="de-DE" altLang="de-DE" sz="1200" b="0" i="0" u="none" strike="noStrike" cap="none" normalizeH="0" baseline="0">
+              <a:rPr kumimoji="0" lang="de-DE" altLang="de-DE" sz="1200" b="0" i="0" u="none" strike="noStrike" cap="none" normalizeH="0" baseline="0" dirty="0">
                 <a:ln>
                   <a:noFill/>
                 </a:ln>
@@ -13222,23 +13198,75 @@
                 <a:effectLst/>
                 <a:latin typeface="Consolas" panose="020B0609020204030204" pitchFamily="49" charset="0"/>
               </a:rPr>
-              <a:t>="https://code.jquery.com/jquery-3.5.1.min.js"</a:t>
-            </a:r>
-            <a:r>
-              <a:rPr kumimoji="0" lang="de-DE" altLang="de-DE" sz="1200" b="0" i="0" u="none" strike="noStrike" cap="none" normalizeH="0" baseline="0">
-                <a:ln>
-                  <a:noFill/>
-                </a:ln>
-                <a:solidFill>
-                  <a:srgbClr val="E8BF6A"/>
-                </a:solidFill>
-                <a:effectLst/>
-                <a:latin typeface="Consolas" panose="020B0609020204030204" pitchFamily="49" charset="0"/>
-              </a:rPr>
-              <a:t>&gt;&lt;/script&gt;</a:t>
+              <a:t>="https://</a:t>
+            </a:r>
+            <a:r>
+              <a:rPr kumimoji="0" lang="de-DE" altLang="de-DE" sz="1200" b="0" i="0" u="none" strike="noStrike" cap="none" normalizeH="0" baseline="0" dirty="0" err="1">
+                <a:ln>
+                  <a:noFill/>
+                </a:ln>
+                <a:solidFill>
+                  <a:srgbClr val="A5C261"/>
+                </a:solidFill>
+                <a:effectLst/>
+                <a:latin typeface="Consolas" panose="020B0609020204030204" pitchFamily="49" charset="0"/>
+              </a:rPr>
+              <a:t>code.jquery.com</a:t>
+            </a:r>
+            <a:r>
+              <a:rPr kumimoji="0" lang="de-DE" altLang="de-DE" sz="1200" b="0" i="0" u="none" strike="noStrike" cap="none" normalizeH="0" baseline="0" dirty="0">
+                <a:ln>
+                  <a:noFill/>
+                </a:ln>
+                <a:solidFill>
+                  <a:srgbClr val="A5C261"/>
+                </a:solidFill>
+                <a:effectLst/>
+                <a:latin typeface="Consolas" panose="020B0609020204030204" pitchFamily="49" charset="0"/>
+              </a:rPr>
+              <a:t>/jquery-3.5.1.min.js"</a:t>
+            </a:r>
+            <a:r>
+              <a:rPr kumimoji="0" lang="de-DE" altLang="de-DE" sz="1200" b="0" i="0" u="none" strike="noStrike" cap="none" normalizeH="0" baseline="0" dirty="0">
+                <a:ln>
+                  <a:noFill/>
+                </a:ln>
+                <a:solidFill>
+                  <a:srgbClr val="E8BF6A"/>
+                </a:solidFill>
+                <a:effectLst/>
+                <a:latin typeface="Consolas" panose="020B0609020204030204" pitchFamily="49" charset="0"/>
+              </a:rPr>
+              <a:t>&gt;&lt;/</a:t>
+            </a:r>
+            <a:r>
+              <a:rPr kumimoji="0" lang="de-DE" altLang="de-DE" sz="1200" b="0" i="0" u="none" strike="noStrike" cap="none" normalizeH="0" baseline="0" dirty="0" err="1">
+                <a:ln>
+                  <a:noFill/>
+                </a:ln>
+                <a:solidFill>
+                  <a:srgbClr val="E8BF6A"/>
+                </a:solidFill>
+                <a:effectLst/>
+                <a:latin typeface="Consolas" panose="020B0609020204030204" pitchFamily="49" charset="0"/>
+              </a:rPr>
+              <a:t>script</a:t>
+            </a:r>
+            <a:r>
+              <a:rPr kumimoji="0" lang="de-DE" altLang="de-DE" sz="1200" b="0" i="0" u="none" strike="noStrike" cap="none" normalizeH="0" baseline="0" dirty="0">
+                <a:ln>
+                  <a:noFill/>
+                </a:ln>
+                <a:solidFill>
+                  <a:srgbClr val="E8BF6A"/>
+                </a:solidFill>
+                <a:effectLst/>
+                <a:latin typeface="Consolas" panose="020B0609020204030204" pitchFamily="49" charset="0"/>
+              </a:rPr>
+              <a:t>&gt;</a:t>
             </a:r>
             <a:br>
-              <a:rPr kumimoji="0" lang="de-DE" altLang="de-DE" sz="1200" b="0" i="0" u="none" strike="noStrike" cap="none" normalizeH="0" baseline="0">
+              <a:rPr kumimoji="0" lang="de-DE" altLang="de-DE" sz="1200" b="0" i="0" u="none" strike="noStrike" cap="none" normalizeH="0" baseline="0" dirty="0">
                 <a:ln>
                   <a:noFill/>
                 </a:ln>
@@ -13250,20 +13278,46 @@
               </a:rPr>
             </a:br>
             <a:r>
-              <a:rPr kumimoji="0" lang="de-DE" altLang="de-DE" sz="1200" b="0" i="0" u="none" strike="noStrike" cap="none" normalizeH="0" baseline="0">
-                <a:ln>
-                  <a:noFill/>
-                </a:ln>
-                <a:solidFill>
-                  <a:srgbClr val="E8BF6A"/>
-                </a:solidFill>
-                <a:effectLst/>
-                <a:latin typeface="Consolas" panose="020B0609020204030204" pitchFamily="49" charset="0"/>
-              </a:rPr>
-              <a:t>&lt;script&gt;</a:t>
+              <a:rPr kumimoji="0" lang="de-DE" altLang="de-DE" sz="1200" b="0" i="0" u="none" strike="noStrike" cap="none" normalizeH="0" baseline="0" dirty="0">
+                <a:ln>
+                  <a:noFill/>
+                </a:ln>
+                <a:solidFill>
+                  <a:srgbClr val="E8BF6A"/>
+                </a:solidFill>
+                <a:effectLst/>
+                <a:latin typeface="Consolas" panose="020B0609020204030204" pitchFamily="49" charset="0"/>
+              </a:rPr>
+              <a:t>&lt;</a:t>
+            </a:r>
+            <a:r>
+              <a:rPr kumimoji="0" lang="de-DE" altLang="de-DE" sz="1200" b="0" i="0" u="none" strike="noStrike" cap="none" normalizeH="0" baseline="0" dirty="0" err="1">
+                <a:ln>
+                  <a:noFill/>
+                </a:ln>
+                <a:solidFill>
+                  <a:srgbClr val="E8BF6A"/>
+                </a:solidFill>
+                <a:effectLst/>
+                <a:latin typeface="Consolas" panose="020B0609020204030204" pitchFamily="49" charset="0"/>
+              </a:rPr>
+              <a:t>script</a:t>
+            </a:r>
+            <a:r>
+              <a:rPr kumimoji="0" lang="de-DE" altLang="de-DE" sz="1200" b="0" i="0" u="none" strike="noStrike" cap="none" normalizeH="0" baseline="0" dirty="0">
+                <a:ln>
+                  <a:noFill/>
+                </a:ln>
+                <a:solidFill>
+                  <a:srgbClr val="E8BF6A"/>
+                </a:solidFill>
+                <a:effectLst/>
+                <a:latin typeface="Consolas" panose="020B0609020204030204" pitchFamily="49" charset="0"/>
+              </a:rPr>
+              <a:t>&gt;</a:t>
             </a:r>
             <a:br>
-              <a:rPr kumimoji="0" lang="de-DE" altLang="de-DE" sz="1200" b="0" i="0" u="none" strike="noStrike" cap="none" normalizeH="0" baseline="0">
+              <a:rPr kumimoji="0" lang="de-DE" altLang="de-DE" sz="1200" b="0" i="0" u="none" strike="noStrike" cap="none" normalizeH="0" baseline="0" dirty="0">
                 <a:ln>
                   <a:noFill/>
                 </a:ln>
@@ -13275,7 +13329,7 @@
               </a:rPr>
             </a:br>
             <a:r>
-              <a:rPr kumimoji="0" lang="de-DE" altLang="de-DE" sz="1200" b="0" i="0" u="none" strike="noStrike" cap="none" normalizeH="0" baseline="0">
+              <a:rPr kumimoji="0" lang="de-DE" altLang="de-DE" sz="1200" b="0" i="0" u="none" strike="noStrike" cap="none" normalizeH="0" baseline="0" dirty="0">
                 <a:ln>
                   <a:noFill/>
                 </a:ln>
@@ -13288,7 +13342,7 @@
               <a:t>    </a:t>
             </a:r>
             <a:r>
-              <a:rPr kumimoji="0" lang="de-DE" altLang="de-DE" sz="1200" b="0" i="0" u="none" strike="noStrike" cap="none" normalizeH="0" baseline="0">
+              <a:rPr kumimoji="0" lang="de-DE" altLang="de-DE" sz="1200" b="0" i="0" u="none" strike="noStrike" cap="none" normalizeH="0" baseline="0" dirty="0">
                 <a:ln>
                   <a:noFill/>
                 </a:ln>
@@ -13301,7 +13355,7 @@
               <a:t>$(</a:t>
             </a:r>
             <a:r>
-              <a:rPr kumimoji="0" lang="de-DE" altLang="de-DE" sz="1200" b="0" i="0" u="none" strike="noStrike" cap="none" normalizeH="0" baseline="0">
+              <a:rPr kumimoji="0" lang="de-DE" altLang="de-DE" sz="1200" b="0" i="0" u="none" strike="noStrike" cap="none" normalizeH="0" baseline="0" dirty="0">
                 <a:ln>
                   <a:noFill/>
                 </a:ln>
@@ -13314,7 +13368,7 @@
               <a:t>'p'</a:t>
             </a:r>
             <a:r>
-              <a:rPr kumimoji="0" lang="de-DE" altLang="de-DE" sz="1200" b="0" i="0" u="none" strike="noStrike" cap="none" normalizeH="0" baseline="0">
+              <a:rPr kumimoji="0" lang="de-DE" altLang="de-DE" sz="1200" b="0" i="0" u="none" strike="noStrike" cap="none" normalizeH="0" baseline="0" dirty="0">
                 <a:ln>
                   <a:noFill/>
                 </a:ln>
@@ -13327,7 +13381,7 @@
               <a:t>).</a:t>
             </a:r>
             <a:r>
-              <a:rPr kumimoji="0" lang="de-DE" altLang="de-DE" sz="1200" b="0" i="0" u="none" strike="noStrike" cap="none" normalizeH="0" baseline="0">
+              <a:rPr kumimoji="0" lang="de-DE" altLang="de-DE" sz="1200" b="0" i="0" u="none" strike="noStrike" cap="none" normalizeH="0" baseline="0" dirty="0" err="1">
                 <a:ln>
                   <a:noFill/>
                 </a:ln>
@@ -13340,7 +13394,7 @@
               <a:t>text</a:t>
             </a:r>
             <a:r>
-              <a:rPr kumimoji="0" lang="de-DE" altLang="de-DE" sz="1200" b="0" i="0" u="none" strike="noStrike" cap="none" normalizeH="0" baseline="0">
+              <a:rPr kumimoji="0" lang="de-DE" altLang="de-DE" sz="1200" b="0" i="0" u="none" strike="noStrike" cap="none" normalizeH="0" baseline="0" dirty="0">
                 <a:ln>
                   <a:noFill/>
                 </a:ln>
@@ -13353,7 +13407,7 @@
               <a:t>(</a:t>
             </a:r>
             <a:r>
-              <a:rPr kumimoji="0" lang="de-DE" altLang="de-DE" sz="1200" b="0" i="0" u="none" strike="noStrike" cap="none" normalizeH="0" baseline="0">
+              <a:rPr kumimoji="0" lang="de-DE" altLang="de-DE" sz="1200" b="0" i="0" u="none" strike="noStrike" cap="none" normalizeH="0" baseline="0" dirty="0">
                 <a:ln>
                   <a:noFill/>
                 </a:ln>
@@ -13366,7 +13420,7 @@
               <a:t>'Hier steht ein Absatz'</a:t>
             </a:r>
             <a:r>
-              <a:rPr kumimoji="0" lang="de-DE" altLang="de-DE" sz="1200" b="0" i="0" u="none" strike="noStrike" cap="none" normalizeH="0" baseline="0">
+              <a:rPr kumimoji="0" lang="de-DE" altLang="de-DE" sz="1200" b="0" i="0" u="none" strike="noStrike" cap="none" normalizeH="0" baseline="0" dirty="0">
                 <a:ln>
                   <a:noFill/>
                 </a:ln>
@@ -13379,7 +13433,7 @@
               <a:t>)</a:t>
             </a:r>
             <a:r>
-              <a:rPr kumimoji="0" lang="de-DE" altLang="de-DE" sz="1200" b="0" i="0" u="none" strike="noStrike" cap="none" normalizeH="0" baseline="0">
+              <a:rPr kumimoji="0" lang="de-DE" altLang="de-DE" sz="1200" b="0" i="0" u="none" strike="noStrike" cap="none" normalizeH="0" baseline="0" dirty="0">
                 <a:ln>
                   <a:noFill/>
                 </a:ln>
@@ -13392,7 +13446,7 @@
               <a:t>;</a:t>
             </a:r>
             <a:br>
-              <a:rPr kumimoji="0" lang="de-DE" altLang="de-DE" sz="1200" b="0" i="0" u="none" strike="noStrike" cap="none" normalizeH="0" baseline="0">
+              <a:rPr kumimoji="0" lang="de-DE" altLang="de-DE" sz="1200" b="0" i="0" u="none" strike="noStrike" cap="none" normalizeH="0" baseline="0" dirty="0">
                 <a:ln>
                   <a:noFill/>
                 </a:ln>
@@ -13404,7 +13458,7 @@
               </a:rPr>
             </a:br>
             <a:r>
-              <a:rPr kumimoji="0" lang="de-DE" altLang="de-DE" sz="1200" b="0" i="0" u="none" strike="noStrike" cap="none" normalizeH="0" baseline="0">
+              <a:rPr kumimoji="0" lang="de-DE" altLang="de-DE" sz="1200" b="0" i="0" u="none" strike="noStrike" cap="none" normalizeH="0" baseline="0" dirty="0">
                 <a:ln>
                   <a:noFill/>
                 </a:ln>
@@ -13417,7 +13471,7 @@
               <a:t>    </a:t>
             </a:r>
             <a:r>
-              <a:rPr kumimoji="0" lang="de-DE" altLang="de-DE" sz="1200" b="0" i="0" u="none" strike="noStrike" cap="none" normalizeH="0" baseline="0">
+              <a:rPr kumimoji="0" lang="de-DE" altLang="de-DE" sz="1200" b="0" i="0" u="none" strike="noStrike" cap="none" normalizeH="0" baseline="0" dirty="0">
                 <a:ln>
                   <a:noFill/>
                 </a:ln>
@@ -13430,7 +13484,7 @@
               <a:t>$(</a:t>
             </a:r>
             <a:r>
-              <a:rPr kumimoji="0" lang="de-DE" altLang="de-DE" sz="1200" b="0" i="0" u="none" strike="noStrike" cap="none" normalizeH="0" baseline="0">
+              <a:rPr kumimoji="0" lang="de-DE" altLang="de-DE" sz="1200" b="0" i="0" u="none" strike="noStrike" cap="none" normalizeH="0" baseline="0" dirty="0">
                 <a:ln>
                   <a:noFill/>
                 </a:ln>
@@ -13443,7 +13497,7 @@
               <a:t>"p"</a:t>
             </a:r>
             <a:r>
-              <a:rPr kumimoji="0" lang="de-DE" altLang="de-DE" sz="1200" b="0" i="0" u="none" strike="noStrike" cap="none" normalizeH="0" baseline="0">
+              <a:rPr kumimoji="0" lang="de-DE" altLang="de-DE" sz="1200" b="0" i="0" u="none" strike="noStrike" cap="none" normalizeH="0" baseline="0" dirty="0">
                 <a:ln>
                   <a:noFill/>
                 </a:ln>
@@ -13456,7 +13510,7 @@
               <a:t>)[</a:t>
             </a:r>
             <a:r>
-              <a:rPr kumimoji="0" lang="de-DE" altLang="de-DE" sz="1200" b="0" i="0" u="none" strike="noStrike" cap="none" normalizeH="0" baseline="0">
+              <a:rPr kumimoji="0" lang="de-DE" altLang="de-DE" sz="1200" b="0" i="0" u="none" strike="noStrike" cap="none" normalizeH="0" baseline="0" dirty="0">
                 <a:ln>
                   <a:noFill/>
                 </a:ln>
@@ -13469,7 +13523,7 @@
               <a:t>2</a:t>
             </a:r>
             <a:r>
-              <a:rPr kumimoji="0" lang="de-DE" altLang="de-DE" sz="1200" b="0" i="0" u="none" strike="noStrike" cap="none" normalizeH="0" baseline="0">
+              <a:rPr kumimoji="0" lang="de-DE" altLang="de-DE" sz="1200" b="0" i="0" u="none" strike="noStrike" cap="none" normalizeH="0" baseline="0" dirty="0">
                 <a:ln>
                   <a:noFill/>
                 </a:ln>
@@ -13482,7 +13536,7 @@
               <a:t>].</a:t>
             </a:r>
             <a:r>
-              <a:rPr kumimoji="0" lang="de-DE" altLang="de-DE" sz="1200" b="0" i="0" u="none" strike="noStrike" cap="none" normalizeH="0" baseline="0">
+              <a:rPr kumimoji="0" lang="de-DE" altLang="de-DE" sz="1200" b="0" i="0" u="none" strike="noStrike" cap="none" normalizeH="0" baseline="0" dirty="0" err="1">
                 <a:ln>
                   <a:noFill/>
                 </a:ln>
@@ -13492,10 +13546,23 @@
                 <a:effectLst/>
                 <a:latin typeface="Consolas" panose="020B0609020204030204" pitchFamily="49" charset="0"/>
               </a:rPr>
-              <a:t>innerHTML </a:t>
-            </a:r>
-            <a:r>
-              <a:rPr kumimoji="0" lang="de-DE" altLang="de-DE" sz="1200" b="0" i="0" u="none" strike="noStrike" cap="none" normalizeH="0" baseline="0">
+              <a:t>text</a:t>
+            </a:r>
+            <a:r>
+              <a:rPr kumimoji="0" lang="de-DE" altLang="de-DE" sz="1200" b="0" i="0" u="none" strike="noStrike" cap="none" normalizeH="0" baseline="0" dirty="0">
+                <a:ln>
+                  <a:noFill/>
+                </a:ln>
+                <a:solidFill>
+                  <a:srgbClr val="9876AA"/>
+                </a:solidFill>
+                <a:effectLst/>
+                <a:latin typeface="Consolas" panose="020B0609020204030204" pitchFamily="49" charset="0"/>
+              </a:rPr>
+              <a:t> </a:t>
+            </a:r>
+            <a:r>
+              <a:rPr kumimoji="0" lang="de-DE" altLang="de-DE" sz="1200" b="0" i="0" u="none" strike="noStrike" cap="none" normalizeH="0" baseline="0" dirty="0">
                 <a:ln>
                   <a:noFill/>
                 </a:ln>
@@ -13508,7 +13575,7 @@
               <a:t>= </a:t>
             </a:r>
             <a:r>
-              <a:rPr kumimoji="0" lang="de-DE" altLang="de-DE" sz="1200" b="0" i="0" u="none" strike="noStrike" cap="none" normalizeH="0" baseline="0">
+              <a:rPr kumimoji="0" lang="de-DE" altLang="de-DE" sz="1200" b="0" i="0" u="none" strike="noStrike" cap="none" normalizeH="0" baseline="0" dirty="0">
                 <a:ln>
                   <a:noFill/>
                 </a:ln>
@@ -13521,7 +13588,7 @@
               <a:t>"Der dritte Absatz wird gezielt angesteuert."</a:t>
             </a:r>
             <a:r>
-              <a:rPr kumimoji="0" lang="de-DE" altLang="de-DE" sz="1200" b="0" i="0" u="none" strike="noStrike" cap="none" normalizeH="0" baseline="0">
+              <a:rPr kumimoji="0" lang="de-DE" altLang="de-DE" sz="1200" b="0" i="0" u="none" strike="noStrike" cap="none" normalizeH="0" baseline="0" dirty="0">
                 <a:ln>
                   <a:noFill/>
                 </a:ln>
@@ -13534,7 +13601,7 @@
               <a:t>;</a:t>
             </a:r>
             <a:br>
-              <a:rPr kumimoji="0" lang="de-DE" altLang="de-DE" sz="1200" b="0" i="0" u="none" strike="noStrike" cap="none" normalizeH="0" baseline="0">
+              <a:rPr kumimoji="0" lang="de-DE" altLang="de-DE" sz="1200" b="0" i="0" u="none" strike="noStrike" cap="none" normalizeH="0" baseline="0" dirty="0">
                 <a:ln>
                   <a:noFill/>
                 </a:ln>
@@ -13546,20 +13613,46 @@
               </a:rPr>
             </a:br>
             <a:r>
-              <a:rPr kumimoji="0" lang="de-DE" altLang="de-DE" sz="1200" b="0" i="0" u="none" strike="noStrike" cap="none" normalizeH="0" baseline="0">
-                <a:ln>
-                  <a:noFill/>
-                </a:ln>
-                <a:solidFill>
-                  <a:srgbClr val="E8BF6A"/>
-                </a:solidFill>
-                <a:effectLst/>
-                <a:latin typeface="Consolas" panose="020B0609020204030204" pitchFamily="49" charset="0"/>
-              </a:rPr>
-              <a:t>&lt;/script&gt;</a:t>
+              <a:rPr kumimoji="0" lang="de-DE" altLang="de-DE" sz="1200" b="0" i="0" u="none" strike="noStrike" cap="none" normalizeH="0" baseline="0" dirty="0">
+                <a:ln>
+                  <a:noFill/>
+                </a:ln>
+                <a:solidFill>
+                  <a:srgbClr val="E8BF6A"/>
+                </a:solidFill>
+                <a:effectLst/>
+                <a:latin typeface="Consolas" panose="020B0609020204030204" pitchFamily="49" charset="0"/>
+              </a:rPr>
+              <a:t>&lt;/</a:t>
+            </a:r>
+            <a:r>
+              <a:rPr kumimoji="0" lang="de-DE" altLang="de-DE" sz="1200" b="0" i="0" u="none" strike="noStrike" cap="none" normalizeH="0" baseline="0" dirty="0" err="1">
+                <a:ln>
+                  <a:noFill/>
+                </a:ln>
+                <a:solidFill>
+                  <a:srgbClr val="E8BF6A"/>
+                </a:solidFill>
+                <a:effectLst/>
+                <a:latin typeface="Consolas" panose="020B0609020204030204" pitchFamily="49" charset="0"/>
+              </a:rPr>
+              <a:t>script</a:t>
+            </a:r>
+            <a:r>
+              <a:rPr kumimoji="0" lang="de-DE" altLang="de-DE" sz="1200" b="0" i="0" u="none" strike="noStrike" cap="none" normalizeH="0" baseline="0" dirty="0">
+                <a:ln>
+                  <a:noFill/>
+                </a:ln>
+                <a:solidFill>
+                  <a:srgbClr val="E8BF6A"/>
+                </a:solidFill>
+                <a:effectLst/>
+                <a:latin typeface="Consolas" panose="020B0609020204030204" pitchFamily="49" charset="0"/>
+              </a:rPr>
+              <a:t>&gt;</a:t>
             </a:r>
             <a:br>
-              <a:rPr kumimoji="0" lang="de-DE" altLang="de-DE" sz="1200" b="0" i="0" u="none" strike="noStrike" cap="none" normalizeH="0" baseline="0">
+              <a:rPr kumimoji="0" lang="de-DE" altLang="de-DE" sz="1200" b="0" i="0" u="none" strike="noStrike" cap="none" normalizeH="0" baseline="0" dirty="0">
                 <a:ln>
                   <a:noFill/>
                 </a:ln>
@@ -13571,19 +13664,45 @@
               </a:rPr>
             </a:br>
             <a:r>
-              <a:rPr kumimoji="0" lang="de-DE" altLang="de-DE" sz="1200" b="0" i="0" u="none" strike="noStrike" cap="none" normalizeH="0" baseline="0">
-                <a:ln>
-                  <a:noFill/>
-                </a:ln>
-                <a:solidFill>
-                  <a:srgbClr val="E8BF6A"/>
-                </a:solidFill>
-                <a:effectLst/>
-                <a:latin typeface="Consolas" panose="020B0609020204030204" pitchFamily="49" charset="0"/>
-              </a:rPr>
-              <a:t>&lt;/body&gt;</a:t>
-            </a:r>
-            <a:endParaRPr kumimoji="0" lang="de-DE" altLang="de-DE" sz="1200" b="0" i="0" u="none" strike="noStrike" cap="none" normalizeH="0" baseline="0">
+              <a:rPr kumimoji="0" lang="de-DE" altLang="de-DE" sz="1200" b="0" i="0" u="none" strike="noStrike" cap="none" normalizeH="0" baseline="0" dirty="0">
+                <a:ln>
+                  <a:noFill/>
+                </a:ln>
+                <a:solidFill>
+                  <a:srgbClr val="E8BF6A"/>
+                </a:solidFill>
+                <a:effectLst/>
+                <a:latin typeface="Consolas" panose="020B0609020204030204" pitchFamily="49" charset="0"/>
+              </a:rPr>
+              <a:t>&lt;/</a:t>
+            </a:r>
+            <a:r>
+              <a:rPr kumimoji="0" lang="de-DE" altLang="de-DE" sz="1200" b="0" i="0" u="none" strike="noStrike" cap="none" normalizeH="0" baseline="0" dirty="0" err="1">
+                <a:ln>
+                  <a:noFill/>
+                </a:ln>
+                <a:solidFill>
+                  <a:srgbClr val="E8BF6A"/>
+                </a:solidFill>
+                <a:effectLst/>
+                <a:latin typeface="Consolas" panose="020B0609020204030204" pitchFamily="49" charset="0"/>
+              </a:rPr>
+              <a:t>body</a:t>
+            </a:r>
+            <a:r>
+              <a:rPr kumimoji="0" lang="de-DE" altLang="de-DE" sz="1200" b="0" i="0" u="none" strike="noStrike" cap="none" normalizeH="0" baseline="0" dirty="0">
+                <a:ln>
+                  <a:noFill/>
+                </a:ln>
+                <a:solidFill>
+                  <a:srgbClr val="E8BF6A"/>
+                </a:solidFill>
+                <a:effectLst/>
+                <a:latin typeface="Consolas" panose="020B0609020204030204" pitchFamily="49" charset="0"/>
+              </a:rPr>
+              <a:t>&gt;</a:t>
+            </a:r>
+            <a:endParaRPr kumimoji="0" lang="de-DE" altLang="de-DE" sz="1200" b="0" i="0" u="none" strike="noStrike" cap="none" normalizeH="0" baseline="0" dirty="0">
               <a:ln>
                 <a:noFill/>
               </a:ln>

--- a/2021-11-09/js-4.1.pptx
+++ b/2021-11-09/js-4.1.pptx
@@ -11746,21 +11746,13 @@
           </a:bodyPr>
           <a:lstStyle/>
           <a:p>
-            <a:pPr marL="0" marR="0" lvl="0" indent="0" algn="l" defTabSz="914400" rtl="0" eaLnBrk="0" fontAlgn="base" latinLnBrk="0" hangingPunct="0">
-              <a:lnSpc>
-                <a:spcPct val="100000"/>
-              </a:lnSpc>
+            <a:pPr lvl="0" defTabSz="914400" eaLnBrk="0" fontAlgn="base" hangingPunct="0">
               <a:spcBef>
                 <a:spcPct val="0"/>
               </a:spcBef>
               <a:spcAft>
                 <a:spcPct val="0"/>
               </a:spcAft>
-              <a:buClrTx/>
-              <a:buSzTx/>
-              <a:buFontTx/>
-              <a:buNone/>
-              <a:tabLst/>
             </a:pPr>
             <a:r>
               <a:rPr kumimoji="0" lang="de-DE" altLang="de-DE" sz="1200" b="0" i="0" u="none" strike="noStrike" cap="none" normalizeH="0" baseline="0" dirty="0">
@@ -12437,35 +12429,17 @@
                 <a:latin typeface="Consolas" panose="020B0609020204030204" pitchFamily="49" charset="0"/>
                 <a:cs typeface="Calibri" panose="020F0502020204030204" pitchFamily="34" charset="0"/>
               </a:rPr>
-              <a:t> </a:t>
-            </a:r>
-            <a:r>
-              <a:rPr kumimoji="0" lang="de-DE" altLang="de-DE" sz="1200" b="0" i="0" u="none" strike="noStrike" cap="none" normalizeH="0" baseline="0" dirty="0">
-                <a:ln>
-                  <a:noFill/>
-                </a:ln>
-                <a:solidFill>
-                  <a:srgbClr val="A9B7C6"/>
-                </a:solidFill>
-                <a:effectLst/>
+              <a:t>(</a:t>
+            </a:r>
+            <a:r>
+              <a:rPr lang="de-DE" altLang="de-DE" sz="1200" dirty="0">
+                <a:solidFill>
+                  <a:srgbClr val="6A8759"/>
+                </a:solidFill>
                 <a:latin typeface="Consolas" panose="020B0609020204030204" pitchFamily="49" charset="0"/>
                 <a:cs typeface="Calibri" panose="020F0502020204030204" pitchFamily="34" charset="0"/>
               </a:rPr>
-              <a:t>= </a:t>
-            </a:r>
-            <a:r>
-              <a:rPr kumimoji="0" lang="de-DE" altLang="de-DE" sz="1200" b="0" i="0" u="none" strike="noStrike" cap="none" normalizeH="0" baseline="0" dirty="0">
-                <a:ln>
-                  <a:noFill/>
-                </a:ln>
-                <a:solidFill>
-                  <a:srgbClr val="6A8759"/>
-                </a:solidFill>
-                <a:effectLst/>
-                <a:latin typeface="Consolas" panose="020B0609020204030204" pitchFamily="49" charset="0"/>
-                <a:cs typeface="Calibri" panose="020F0502020204030204" pitchFamily="34" charset="0"/>
-              </a:rPr>
-              <a:t>'Überschrift'</a:t>
+              <a:t>'Überschrift')</a:t>
             </a:r>
             <a:r>
               <a:rPr kumimoji="0" lang="de-DE" altLang="de-DE" sz="1200" b="0" i="0" u="none" strike="noStrike" cap="none" normalizeH="0" baseline="0" dirty="0">
@@ -12968,21 +12942,13 @@
           </a:bodyPr>
           <a:lstStyle/>
           <a:p>
-            <a:pPr marL="0" marR="0" lvl="0" indent="0" algn="l" defTabSz="914400" rtl="0" eaLnBrk="0" fontAlgn="base" latinLnBrk="0" hangingPunct="0">
-              <a:lnSpc>
-                <a:spcPct val="100000"/>
-              </a:lnSpc>
+            <a:pPr lvl="0" defTabSz="914400" eaLnBrk="0" fontAlgn="base" hangingPunct="0">
               <a:spcBef>
                 <a:spcPct val="0"/>
               </a:spcBef>
               <a:spcAft>
                 <a:spcPct val="0"/>
               </a:spcAft>
-              <a:buClrTx/>
-              <a:buSzTx/>
-              <a:buFontTx/>
-              <a:buNone/>
-              <a:tabLst/>
             </a:pPr>
             <a:r>
               <a:rPr kumimoji="0" lang="de-DE" altLang="de-DE" sz="1200" b="0" i="0" u="none" strike="noStrike" cap="none" normalizeH="0" baseline="0" dirty="0">
@@ -13559,20 +13525,7 @@
                 <a:effectLst/>
                 <a:latin typeface="Consolas" panose="020B0609020204030204" pitchFamily="49" charset="0"/>
               </a:rPr>
-              <a:t> </a:t>
-            </a:r>
-            <a:r>
-              <a:rPr kumimoji="0" lang="de-DE" altLang="de-DE" sz="1200" b="0" i="0" u="none" strike="noStrike" cap="none" normalizeH="0" baseline="0" dirty="0">
-                <a:ln>
-                  <a:noFill/>
-                </a:ln>
-                <a:solidFill>
-                  <a:srgbClr val="A9B7C6"/>
-                </a:solidFill>
-                <a:effectLst/>
-                <a:latin typeface="Consolas" panose="020B0609020204030204" pitchFamily="49" charset="0"/>
-              </a:rPr>
-              <a:t>= </a:t>
+              <a:t>(</a:t>
             </a:r>
             <a:r>
               <a:rPr kumimoji="0" lang="de-DE" altLang="de-DE" sz="1200" b="0" i="0" u="none" strike="noStrike" cap="none" normalizeH="0" baseline="0" dirty="0">
@@ -13585,10 +13538,32 @@
                 <a:effectLst/>
                 <a:latin typeface="Consolas" panose="020B0609020204030204" pitchFamily="49" charset="0"/>
               </a:rPr>
-              <a:t>"Der dritte Absatz wird gezielt angesteuert."</a:t>
-            </a:r>
-            <a:r>
-              <a:rPr kumimoji="0" lang="de-DE" altLang="de-DE" sz="1200" b="0" i="0" u="none" strike="noStrike" cap="none" normalizeH="0" baseline="0" dirty="0">
+              <a:t>"Der dritte Absatz wird gezielt </a:t>
+            </a:r>
+            <a:r>
+              <a:rPr kumimoji="0" lang="de-DE" altLang="de-DE" sz="1200" b="0" i="0" u="none" strike="noStrike" cap="none" normalizeH="0" baseline="0">
+                <a:ln>
+                  <a:noFill/>
+                </a:ln>
+                <a:solidFill>
+                  <a:srgbClr val="6A8759"/>
+                </a:solidFill>
+                <a:effectLst/>
+                <a:latin typeface="Consolas" panose="020B0609020204030204" pitchFamily="49" charset="0"/>
+              </a:rPr>
+              <a:t>angesteuert</a:t>
+            </a:r>
+            <a:r>
+              <a:rPr lang="de-DE" altLang="de-DE" sz="1200">
+                <a:solidFill>
+                  <a:srgbClr val="6A8759"/>
+                </a:solidFill>
+                <a:latin typeface="Consolas" panose="020B0609020204030204" pitchFamily="49" charset="0"/>
+              </a:rPr>
+              <a:t>.")</a:t>
+            </a:r>
+            <a:r>
+              <a:rPr kumimoji="0" lang="de-DE" altLang="de-DE" sz="1200" b="0" i="0" u="none" strike="noStrike" cap="none" normalizeH="0" baseline="0">
                 <a:ln>
                   <a:noFill/>
                 </a:ln>

--- a/2021-11-09/js-4.1.pptx
+++ b/2021-11-09/js-4.1.pptx
@@ -12917,7 +12917,7 @@
         <p:spPr bwMode="auto">
           <a:xfrm>
             <a:off x="2945137" y="2367171"/>
-            <a:ext cx="5876930" cy="2123658"/>
+            <a:ext cx="6046848" cy="2123658"/>
           </a:xfrm>
           <a:prstGeom prst="rect">
             <a:avLst/>
@@ -13460,46 +13460,7 @@
                 <a:effectLst/>
                 <a:latin typeface="Consolas" panose="020B0609020204030204" pitchFamily="49" charset="0"/>
               </a:rPr>
-              <a:t>"p"</a:t>
-            </a:r>
-            <a:r>
-              <a:rPr kumimoji="0" lang="de-DE" altLang="de-DE" sz="1200" b="0" i="0" u="none" strike="noStrike" cap="none" normalizeH="0" baseline="0" dirty="0">
-                <a:ln>
-                  <a:noFill/>
-                </a:ln>
-                <a:solidFill>
-                  <a:srgbClr val="A9B7C6"/>
-                </a:solidFill>
-                <a:effectLst/>
-                <a:latin typeface="Consolas" panose="020B0609020204030204" pitchFamily="49" charset="0"/>
-              </a:rPr>
-              <a:t>)[</a:t>
-            </a:r>
-            <a:r>
-              <a:rPr kumimoji="0" lang="de-DE" altLang="de-DE" sz="1200" b="0" i="0" u="none" strike="noStrike" cap="none" normalizeH="0" baseline="0" dirty="0">
-                <a:ln>
-                  <a:noFill/>
-                </a:ln>
-                <a:solidFill>
-                  <a:srgbClr val="6897BB"/>
-                </a:solidFill>
-                <a:effectLst/>
-                <a:latin typeface="Consolas" panose="020B0609020204030204" pitchFamily="49" charset="0"/>
-              </a:rPr>
-              <a:t>2</a:t>
-            </a:r>
-            <a:r>
-              <a:rPr kumimoji="0" lang="de-DE" altLang="de-DE" sz="1200" b="0" i="0" u="none" strike="noStrike" cap="none" normalizeH="0" baseline="0" dirty="0">
-                <a:ln>
-                  <a:noFill/>
-                </a:ln>
-                <a:solidFill>
-                  <a:srgbClr val="A9B7C6"/>
-                </a:solidFill>
-                <a:effectLst/>
-                <a:latin typeface="Consolas" panose="020B0609020204030204" pitchFamily="49" charset="0"/>
-              </a:rPr>
-              <a:t>].</a:t>
+              <a:t>"</a:t>
             </a:r>
             <a:r>
               <a:rPr kumimoji="0" lang="de-DE" altLang="de-DE" sz="1200" b="0" i="0" u="none" strike="noStrike" cap="none" normalizeH="0" baseline="0" dirty="0" err="1">
@@ -13507,6 +13468,45 @@
                   <a:noFill/>
                 </a:ln>
                 <a:solidFill>
+                  <a:srgbClr val="6A8759"/>
+                </a:solidFill>
+                <a:effectLst/>
+                <a:latin typeface="Consolas" panose="020B0609020204030204" pitchFamily="49" charset="0"/>
+              </a:rPr>
+              <a:t>p:eq</a:t>
+            </a:r>
+            <a:r>
+              <a:rPr kumimoji="0" lang="de-DE" altLang="de-DE" sz="1200" b="0" i="0" u="none" strike="noStrike" cap="none" normalizeH="0" baseline="0" dirty="0">
+                <a:ln>
+                  <a:noFill/>
+                </a:ln>
+                <a:solidFill>
+                  <a:srgbClr val="6A8759"/>
+                </a:solidFill>
+                <a:effectLst/>
+                <a:latin typeface="Consolas" panose="020B0609020204030204" pitchFamily="49" charset="0"/>
+              </a:rPr>
+              <a:t>(2)"</a:t>
+            </a:r>
+            <a:r>
+              <a:rPr kumimoji="0" lang="de-DE" altLang="de-DE" sz="1200" b="0" i="0" u="none" strike="noStrike" cap="none" normalizeH="0" baseline="0" dirty="0">
+                <a:ln>
+                  <a:noFill/>
+                </a:ln>
+                <a:solidFill>
+                  <a:srgbClr val="A9B7C6"/>
+                </a:solidFill>
+                <a:effectLst/>
+                <a:latin typeface="Consolas" panose="020B0609020204030204" pitchFamily="49" charset="0"/>
+              </a:rPr>
+              <a:t>).</a:t>
+            </a:r>
+            <a:r>
+              <a:rPr kumimoji="0" lang="de-DE" altLang="de-DE" sz="1200" b="0" i="0" u="none" strike="noStrike" cap="none" normalizeH="0" baseline="0" dirty="0" err="1">
+                <a:ln>
+                  <a:noFill/>
+                </a:ln>
+                <a:solidFill>
                   <a:srgbClr val="9876AA"/>
                 </a:solidFill>
                 <a:effectLst/>
@@ -13538,32 +13538,19 @@
                 <a:effectLst/>
                 <a:latin typeface="Consolas" panose="020B0609020204030204" pitchFamily="49" charset="0"/>
               </a:rPr>
-              <a:t>"Der dritte Absatz wird gezielt </a:t>
-            </a:r>
-            <a:r>
-              <a:rPr kumimoji="0" lang="de-DE" altLang="de-DE" sz="1200" b="0" i="0" u="none" strike="noStrike" cap="none" normalizeH="0" baseline="0">
-                <a:ln>
-                  <a:noFill/>
-                </a:ln>
+              <a:t>"Der dritte Absatz wird gezielt angesteuert</a:t>
+            </a:r>
+            <a:r>
+              <a:rPr lang="de-DE" altLang="de-DE" sz="1200" dirty="0">
                 <a:solidFill>
                   <a:srgbClr val="6A8759"/>
                 </a:solidFill>
-                <a:effectLst/>
-                <a:latin typeface="Consolas" panose="020B0609020204030204" pitchFamily="49" charset="0"/>
-              </a:rPr>
-              <a:t>angesteuert</a:t>
-            </a:r>
-            <a:r>
-              <a:rPr lang="de-DE" altLang="de-DE" sz="1200">
-                <a:solidFill>
-                  <a:srgbClr val="6A8759"/>
-                </a:solidFill>
                 <a:latin typeface="Consolas" panose="020B0609020204030204" pitchFamily="49" charset="0"/>
               </a:rPr>
               <a:t>.")</a:t>
             </a:r>
             <a:r>
-              <a:rPr kumimoji="0" lang="de-DE" altLang="de-DE" sz="1200" b="0" i="0" u="none" strike="noStrike" cap="none" normalizeH="0" baseline="0">
+              <a:rPr kumimoji="0" lang="de-DE" altLang="de-DE" sz="1200" b="0" i="0" u="none" strike="noStrike" cap="none" normalizeH="0" baseline="0" dirty="0">
                 <a:ln>
                   <a:noFill/>
                 </a:ln>
@@ -13709,7 +13696,7 @@
         <p:spPr>
           <a:xfrm>
             <a:off x="949135" y="1749651"/>
-            <a:ext cx="10293728" cy="286232"/>
+            <a:ext cx="10293728" cy="608372"/>
           </a:xfrm>
         </p:spPr>
         <p:txBody>
@@ -13721,6 +13708,30 @@
               <a:rPr lang="de-AT" dirty="0"/>
               <a:t>Der erste Befehl gilt für alle p-Tags, der zweite hingegen nur für das dritte Element im Dokument</a:t>
             </a:r>
+          </a:p>
+          <a:p>
+            <a:pPr algn="ctr"/>
+            <a:r>
+              <a:rPr lang="de-AT" dirty="0"/>
+              <a:t>https://</a:t>
+            </a:r>
+            <a:r>
+              <a:rPr lang="de-AT" dirty="0" err="1"/>
+              <a:t>api.jquery.com</a:t>
+            </a:r>
+            <a:r>
+              <a:rPr lang="de-AT" dirty="0"/>
+              <a:t>/</a:t>
+            </a:r>
+            <a:r>
+              <a:rPr lang="de-AT" dirty="0" err="1"/>
+              <a:t>eq</a:t>
+            </a:r>
+            <a:r>
+              <a:rPr lang="de-AT"/>
+              <a:t>/</a:t>
+            </a:r>
+            <a:endParaRPr lang="de-AT" dirty="0"/>
           </a:p>
         </p:txBody>
       </p:sp>
